--- a/SpeechProj1.pptx
+++ b/SpeechProj1.pptx
@@ -38,7 +38,6 @@
     <p:sldId id="285" r:id="rId32"/>
     <p:sldId id="286" r:id="rId33"/>
     <p:sldId id="287" r:id="rId34"/>
-    <p:sldId id="288" r:id="rId35"/>
   </p:sldIdLst>
   <p:sldSz cx="9144000" cy="6858000" type="screen4x3"/>
   <p:notesSz cx="7559675" cy="10691813"/>
@@ -13127,27 +13126,7 @@
                 <a:latin typeface="標楷體" pitchFamily="65" charset="-120"/>
                 <a:ea typeface="標楷體" pitchFamily="65" charset="-120"/>
               </a:rPr>
-              <a:t>140.112.</a:t>
-            </a:r>
-            <a:r>
-              <a:rPr lang="en-US" sz="2900" smtClean="0">
-                <a:solidFill>
-                  <a:srgbClr val="000000"/>
-                </a:solidFill>
-                <a:latin typeface="標楷體" pitchFamily="65" charset="-120"/>
-                <a:ea typeface="標楷體" pitchFamily="65" charset="-120"/>
-              </a:rPr>
-              <a:t>2</a:t>
-            </a:r>
-            <a:r>
-              <a:rPr lang="en-US" sz="2900" smtClean="0">
-                <a:solidFill>
-                  <a:srgbClr val="000000"/>
-                </a:solidFill>
-                <a:latin typeface="標楷體" pitchFamily="65" charset="-120"/>
-                <a:ea typeface="標楷體" pitchFamily="65" charset="-120"/>
-              </a:rPr>
-              <a:t>1.80 </a:t>
+              <a:t>140.112.21.80 </a:t>
             </a:r>
             <a:r>
               <a:rPr lang="en-US" sz="2900" dirty="0">
@@ -14187,7 +14166,7 @@
           <p:nvPr>
             <p:extLst>
               <p:ext uri="{D42A27DB-BD31-4B8C-83A1-F6EECF244321}">
-                <p14:modId xmlns:p14="http://schemas.microsoft.com/office/powerpoint/2010/main" val="2038333324"/>
+                <p14:modId xmlns:p14="http://schemas.microsoft.com/office/powerpoint/2010/main" val="1195283884"/>
               </p:ext>
             </p:extLst>
           </p:nvPr>
@@ -14472,12 +14451,12 @@
                     <a:p>
                       <a:pPr algn="ctr"/>
                       <a:r>
-                        <a:rPr lang="en-US">
+                        <a:rPr lang="en-US" dirty="0" smtClean="0">
                           <a:latin typeface="Arial"/>
                         </a:rPr>
-                        <a:t>Progress Report</a:t>
+                        <a:t>Live demo</a:t>
                       </a:r>
-                      <a:endParaRPr/>
+                      <a:endParaRPr dirty="0"/>
                     </a:p>
                   </a:txBody>
                   <a:tcPr/>
@@ -14525,12 +14504,12 @@
                     <a:p>
                       <a:pPr algn="ctr"/>
                       <a:r>
-                        <a:rPr lang="en-US">
+                        <a:rPr lang="en-US" dirty="0">
                           <a:latin typeface="Arial"/>
                         </a:rPr>
                         <a:t>Progress Report</a:t>
                       </a:r>
-                      <a:endParaRPr/>
+                      <a:endParaRPr dirty="0"/>
                     </a:p>
                   </a:txBody>
                   <a:tcPr/>
@@ -14578,12 +14557,12 @@
                     <a:p>
                       <a:pPr algn="ctr"/>
                       <a:r>
-                        <a:rPr lang="en-US">
+                        <a:rPr lang="en-US" dirty="0">
                           <a:latin typeface="Arial"/>
                         </a:rPr>
                         <a:t>Progress Report</a:t>
                       </a:r>
-                      <a:endParaRPr/>
+                      <a:endParaRPr dirty="0"/>
                     </a:p>
                   </a:txBody>
                   <a:tcPr/>
@@ -14856,7 +14835,25 @@
                 </a:solidFill>
                 <a:latin typeface="Tw Cen MT"/>
               </a:rPr>
-              <a:t>陳仰德</a:t>
+              <a:t>張</a:t>
+            </a:r>
+            <a:r>
+              <a:rPr lang="zh-TW" altLang="en-US" sz="2200" dirty="0">
+                <a:solidFill>
+                  <a:srgbClr val="0070C0"/>
+                </a:solidFill>
+                <a:latin typeface="Tw Cen MT"/>
+              </a:rPr>
+              <a:t>瀞</a:t>
+            </a:r>
+            <a:r>
+              <a:rPr lang="zh-TW" altLang="en-US" sz="2200" dirty="0" smtClean="0">
+                <a:solidFill>
+                  <a:srgbClr val="0070C0"/>
+                </a:solidFill>
+                <a:latin typeface="Tw Cen MT"/>
+              </a:rPr>
+              <a:t>婷</a:t>
             </a:r>
             <a:r>
               <a:rPr lang="zh-TW" sz="2200" dirty="0" smtClean="0">
@@ -14868,24 +14865,14 @@
               <a:t>：</a:t>
             </a:r>
             <a:r>
-              <a:rPr lang="zh-TW" sz="2200" dirty="0" smtClean="0">
+              <a:rPr lang="en-US" altLang="zh-TW" sz="2200" dirty="0" smtClean="0">
                 <a:solidFill>
                   <a:srgbClr val="0070C0"/>
                 </a:solidFill>
                 <a:latin typeface="Tw Cen MT"/>
                 <a:hlinkClick r:id="rId2"/>
               </a:rPr>
-              <a:t>r</a:t>
-            </a:r>
-            <a:r>
-              <a:rPr lang="en-US" altLang="zh-TW" sz="2200" dirty="0" smtClean="0">
-                <a:solidFill>
-                  <a:srgbClr val="0070C0"/>
-                </a:solidFill>
-                <a:latin typeface="Tw Cen MT"/>
-                <a:hlinkClick r:id="rId2"/>
-              </a:rPr>
-              <a:t>04942038</a:t>
+              <a:t>b01901135</a:t>
             </a:r>
             <a:r>
               <a:rPr lang="zh-TW" sz="2200" dirty="0" smtClean="0">
@@ -14940,16 +14927,7 @@
                 </a:solidFill>
                 <a:latin typeface="Tw Cen MT"/>
               </a:rPr>
-              <a:t>黃邦齊</a:t>
-            </a:r>
-            <a:r>
-              <a:rPr lang="zh-TW" altLang="en-US" sz="2200" dirty="0" smtClean="0">
-                <a:solidFill>
-                  <a:srgbClr val="0070C0"/>
-                </a:solidFill>
-                <a:latin typeface="Tw Cen MT"/>
-              </a:rPr>
-              <a:t>：</a:t>
+              <a:t>黃邦齊：</a:t>
             </a:r>
             <a:r>
               <a:rPr lang="en-US" altLang="zh-TW" sz="2200" dirty="0" smtClean="0">
@@ -15049,34 +15027,14 @@
               <a:t>請各位今晚前寄一封信到 </a:t>
             </a:r>
             <a:r>
-              <a:rPr lang="zh-TW" sz="2200" dirty="0">
+              <a:rPr lang="en-US" altLang="zh-TW" sz="2200" dirty="0" smtClean="0">
                 <a:solidFill>
                   <a:srgbClr val="0070C0"/>
                 </a:solidFill>
                 <a:latin typeface="標楷體" pitchFamily="65" charset="-120"/>
                 <a:ea typeface="標楷體" pitchFamily="65" charset="-120"/>
               </a:rPr>
-              <a:t>r</a:t>
-            </a:r>
-            <a:r>
-              <a:rPr lang="zh-TW" sz="2200" dirty="0" smtClean="0">
-                <a:solidFill>
-                  <a:srgbClr val="0070C0"/>
-                </a:solidFill>
-                <a:latin typeface="標楷體" pitchFamily="65" charset="-120"/>
-                <a:ea typeface="標楷體" pitchFamily="65" charset="-120"/>
-              </a:rPr>
-              <a:t>0</a:t>
-            </a:r>
-            <a:r>
-              <a:rPr lang="en-US" altLang="zh-TW" sz="2200" dirty="0" smtClean="0">
-                <a:solidFill>
-                  <a:srgbClr val="0070C0"/>
-                </a:solidFill>
-                <a:latin typeface="標楷體" pitchFamily="65" charset="-120"/>
-                <a:ea typeface="標楷體" pitchFamily="65" charset="-120"/>
-              </a:rPr>
-              <a:t>4942038</a:t>
+              <a:t>b01901135</a:t>
             </a:r>
             <a:r>
               <a:rPr lang="zh-TW" sz="2200" dirty="0" smtClean="0">
@@ -15222,120 +15180,6 @@
             </p:seq>
           </p:childTnLst>
         </p:cTn>
-      </p:par>
-    </p:tnLst>
-  </p:timing>
-</p:sld>
-</file>
-
-<file path=ppt/slides/slide32.xml><?xml version="1.0" encoding="utf-8"?>
-<p:sld xmlns:a="http://schemas.openxmlformats.org/drawingml/2006/main" xmlns:r="http://schemas.openxmlformats.org/officeDocument/2006/relationships" xmlns:p="http://schemas.openxmlformats.org/presentationml/2006/main">
-  <p:cSld>
-    <p:spTree>
-      <p:nvGrpSpPr>
-        <p:cNvPr id="1" name=""/>
-        <p:cNvGrpSpPr/>
-        <p:nvPr/>
-      </p:nvGrpSpPr>
-      <p:grpSpPr>
-        <a:xfrm>
-          <a:off x="0" y="0"/>
-          <a:ext cx="0" cy="0"/>
-          <a:chOff x="0" y="0"/>
-          <a:chExt cx="0" cy="0"/>
-        </a:xfrm>
-      </p:grpSpPr>
-      <p:sp>
-        <p:nvSpPr>
-          <p:cNvPr id="2" name="標題 1"/>
-          <p:cNvSpPr>
-            <a:spLocks noGrp="1"/>
-          </p:cNvSpPr>
-          <p:nvPr>
-            <p:ph type="title"/>
-          </p:nvPr>
-        </p:nvSpPr>
-        <p:spPr/>
-        <p:txBody>
-          <a:bodyPr/>
-          <a:lstStyle/>
-          <a:p>
-            <a:r>
-              <a:rPr lang="en-US" altLang="zh-TW" sz="3600" dirty="0" smtClean="0">
-                <a:solidFill>
-                  <a:srgbClr val="CC4757"/>
-                </a:solidFill>
-                <a:latin typeface="Tw Cen MT"/>
-              </a:rPr>
-              <a:t>Happy Birthday to Professor Lin-Shan Lee</a:t>
-            </a:r>
-            <a:endParaRPr lang="zh-TW" altLang="en-US" sz="3600" dirty="0"/>
-          </a:p>
-        </p:txBody>
-      </p:sp>
-      <p:sp>
-        <p:nvSpPr>
-          <p:cNvPr id="3" name="文字版面配置區 2"/>
-          <p:cNvSpPr>
-            <a:spLocks noGrp="1"/>
-          </p:cNvSpPr>
-          <p:nvPr>
-            <p:ph type="body"/>
-          </p:nvPr>
-        </p:nvSpPr>
-        <p:spPr/>
-        <p:txBody>
-          <a:bodyPr/>
-          <a:lstStyle/>
-          <a:p>
-            <a:endParaRPr lang="zh-TW" altLang="en-US" dirty="0"/>
-          </a:p>
-        </p:txBody>
-      </p:sp>
-      <p:pic>
-        <p:nvPicPr>
-          <p:cNvPr id="5" name="圖片 4"/>
-          <p:cNvPicPr>
-            <a:picLocks noChangeAspect="1"/>
-          </p:cNvPicPr>
-          <p:nvPr/>
-        </p:nvPicPr>
-        <p:blipFill>
-          <a:blip r:embed="rId2" cstate="print">
-            <a:extLst>
-              <a:ext uri="{28A0092B-C50C-407E-A947-70E740481C1C}">
-                <a14:useLocalDpi xmlns:a14="http://schemas.microsoft.com/office/drawing/2010/main" val="0"/>
-              </a:ext>
-            </a:extLst>
-          </a:blip>
-          <a:stretch>
-            <a:fillRect/>
-          </a:stretch>
-        </p:blipFill>
-        <p:spPr>
-          <a:xfrm>
-            <a:off x="1357924" y="1527991"/>
-            <a:ext cx="6662512" cy="5330009"/>
-          </a:xfrm>
-          <a:prstGeom prst="rect">
-            <a:avLst/>
-          </a:prstGeom>
-        </p:spPr>
-      </p:pic>
-    </p:spTree>
-    <p:extLst>
-      <p:ext uri="{BB962C8B-B14F-4D97-AF65-F5344CB8AC3E}">
-        <p14:creationId xmlns:p14="http://schemas.microsoft.com/office/powerpoint/2010/main" val="1629872336"/>
-      </p:ext>
-    </p:extLst>
-  </p:cSld>
-  <p:clrMapOvr>
-    <a:masterClrMapping/>
-  </p:clrMapOvr>
-  <p:timing>
-    <p:tnLst>
-      <p:par>
-        <p:cTn id="1" dur="indefinite" restart="never" nodeType="tmRoot"/>
       </p:par>
     </p:tnLst>
   </p:timing>
